--- a/Line Chart.pptx
+++ b/Line Chart.pptx
@@ -3327,7 +3327,7 @@
           <p:cNvPr id="0" name="slide1">
             <a:extLst>
               <a:ext uri="{FF2B5EF4-FFF2-40B4-BE49-F238E27FC236}">
-                <a16:creationId xmlns:a16="http://schemas.microsoft.com/office/drawing/2014/main" id="{56945C38-D74B-407C-9132-50EBEACFBE05}"/>
+                <a16:creationId xmlns:a16="http://schemas.microsoft.com/office/drawing/2014/main" id="{37CDB485-D449-4BC4-A366-4D699E12BA3C}"/>
               </a:ext>
             </a:extLst>
           </p:cNvPr>
@@ -3355,7 +3355,7 @@
           <p:cNvPr id="1" name="slide1">
             <a:extLst>
               <a:ext uri="{FF2B5EF4-FFF2-40B4-BE49-F238E27FC236}">
-                <a16:creationId xmlns:a16="http://schemas.microsoft.com/office/drawing/2014/main" id="{C13538D7-1AE1-4AC8-B528-B92228C0AB98}"/>
+                <a16:creationId xmlns:a16="http://schemas.microsoft.com/office/drawing/2014/main" id="{46B74AAA-6081-40D4-9F50-530EF4C65A6C}"/>
               </a:ext>
             </a:extLst>
           </p:cNvPr>
@@ -3373,7 +3373,7 @@
           <a:p>
             <a:r>
               <a:rPr/>
-              <a:t>File created on: 8/5/2021 10:34:11 PM</a:t>
+              <a:t>File created on: 8/5/2021 11:58:33 PM</a:t>
             </a:r>
           </a:p>
         </p:txBody>
@@ -3413,7 +3413,7 @@
           <p:cNvPr descr="Sheet 2" id="2" name="slide2">
             <a:extLst>
               <a:ext uri="{FF2B5EF4-FFF2-40B4-BE49-F238E27FC236}">
-                <a16:creationId xmlns:a16="http://schemas.microsoft.com/office/drawing/2014/main" id="{0E16EE3C-E7BD-4579-905C-0325BB028117}"/>
+                <a16:creationId xmlns:a16="http://schemas.microsoft.com/office/drawing/2014/main" id="{EF8D0D21-9D3B-46D6-BFBC-313F6B8E39C1}"/>
               </a:ext>
             </a:extLst>
           </p:cNvPr>
@@ -3436,8 +3436,8 @@
         </p:blipFill>
         <p:spPr>
           <a:xfrm>
-            <a:off x="119062" y="0"/>
-            <a:ext cx="11953875" cy="6858000"/>
+            <a:off x="504531" y="0"/>
+            <a:ext cx="11182938" cy="6858000"/>
           </a:xfrm>
           <a:prstGeom prst="rect">
             <a:avLst/>

--- a/Line Chart.pptx
+++ b/Line Chart.pptx
@@ -3327,7 +3327,7 @@
           <p:cNvPr id="0" name="slide1">
             <a:extLst>
               <a:ext uri="{FF2B5EF4-FFF2-40B4-BE49-F238E27FC236}">
-                <a16:creationId xmlns:a16="http://schemas.microsoft.com/office/drawing/2014/main" id="{37CDB485-D449-4BC4-A366-4D699E12BA3C}"/>
+                <a16:creationId xmlns:a16="http://schemas.microsoft.com/office/drawing/2014/main" id="{0B335263-AEEA-4F0D-B623-0973A9DC638D}"/>
               </a:ext>
             </a:extLst>
           </p:cNvPr>
@@ -3355,7 +3355,7 @@
           <p:cNvPr id="1" name="slide1">
             <a:extLst>
               <a:ext uri="{FF2B5EF4-FFF2-40B4-BE49-F238E27FC236}">
-                <a16:creationId xmlns:a16="http://schemas.microsoft.com/office/drawing/2014/main" id="{46B74AAA-6081-40D4-9F50-530EF4C65A6C}"/>
+                <a16:creationId xmlns:a16="http://schemas.microsoft.com/office/drawing/2014/main" id="{9EB487CA-5BC4-4A60-8C6A-DD08C2C269E5}"/>
               </a:ext>
             </a:extLst>
           </p:cNvPr>
@@ -3373,7 +3373,7 @@
           <a:p>
             <a:r>
               <a:rPr/>
-              <a:t>File created on: 8/5/2021 11:58:33 PM</a:t>
+              <a:t>File created on: 8/6/2021 12:33:25 AM</a:t>
             </a:r>
           </a:p>
         </p:txBody>
@@ -3413,7 +3413,7 @@
           <p:cNvPr descr="Sheet 2" id="2" name="slide2">
             <a:extLst>
               <a:ext uri="{FF2B5EF4-FFF2-40B4-BE49-F238E27FC236}">
-                <a16:creationId xmlns:a16="http://schemas.microsoft.com/office/drawing/2014/main" id="{EF8D0D21-9D3B-46D6-BFBC-313F6B8E39C1}"/>
+                <a16:creationId xmlns:a16="http://schemas.microsoft.com/office/drawing/2014/main" id="{D863706A-7ECB-4899-996C-5410FE3C7F3C}"/>
               </a:ext>
             </a:extLst>
           </p:cNvPr>
@@ -3436,8 +3436,8 @@
         </p:blipFill>
         <p:spPr>
           <a:xfrm>
-            <a:off x="504531" y="0"/>
-            <a:ext cx="11182938" cy="6858000"/>
+            <a:off x="1838325" y="228600"/>
+            <a:ext cx="8515350" cy="6400800"/>
           </a:xfrm>
           <a:prstGeom prst="rect">
             <a:avLst/>
